--- a/bookShop01/src/main/webapp/WEB-INF/doc/쇼핑몰 구현 기능 설명_최유선.pptx
+++ b/bookShop01/src/main/webapp/WEB-INF/doc/쇼핑몰 구현 기능 설명_최유선.pptx
@@ -3148,11 +3148,6 @@
               </a:rPr>
               <a:t>첫 번째 기능</a:t>
             </a:r>
-            <a:endParaRPr lang="ko-KR" altLang="en-US" sz="2000" b="1" dirty="0">
-              <a:solidFill>
-                <a:prstClr val="black"/>
-              </a:solidFill>
-            </a:endParaRPr>
           </a:p>
         </p:txBody>
       </p:sp>
@@ -3255,7 +3250,23 @@
                 <a:ea typeface="맑은 고딕" panose="020B0503020000020004" pitchFamily="50" charset="-127"/>
                 <a:cs typeface="함초롬바탕" panose="02030504000101010101" pitchFamily="18" charset="-127"/>
               </a:rPr>
-              <a:t>사이트 메인 페이지에는 특정 기준이나 순위에 의해 상품들이 노출된다</a:t>
+              <a:t>사이트 메인 페이지에는 특정 기준이나 순위에 의해 </a:t>
+            </a:r>
+            <a:r>
+              <a:rPr lang="ko-KR" altLang="en-US" sz="1600" smtClean="0">
+                <a:latin typeface="맑은 고딕" panose="020B0503020000020004" pitchFamily="50" charset="-127"/>
+                <a:ea typeface="맑은 고딕" panose="020B0503020000020004" pitchFamily="50" charset="-127"/>
+                <a:cs typeface="함초롬바탕" panose="02030504000101010101" pitchFamily="18" charset="-127"/>
+              </a:rPr>
+              <a:t>상품들이 </a:t>
+            </a:r>
+            <a:r>
+              <a:rPr lang="ko-KR" altLang="en-US" sz="1600" smtClean="0">
+                <a:latin typeface="맑은 고딕" panose="020B0503020000020004" pitchFamily="50" charset="-127"/>
+                <a:ea typeface="맑은 고딕" panose="020B0503020000020004" pitchFamily="50" charset="-127"/>
+                <a:cs typeface="함초롬바탕" panose="02030504000101010101" pitchFamily="18" charset="-127"/>
+              </a:rPr>
+              <a:t>노출된다 </a:t>
             </a:r>
             <a:endParaRPr lang="ko-KR" altLang="en-US" sz="1600" dirty="0">
               <a:latin typeface="맑은 고딕" panose="020B0503020000020004" pitchFamily="50" charset="-127"/>
@@ -3342,11 +3353,6 @@
               </a:rPr>
               <a:t>첫 번째 기능</a:t>
             </a:r>
-            <a:endParaRPr lang="ko-KR" altLang="en-US" sz="2000" b="1" dirty="0">
-              <a:solidFill>
-                <a:prstClr val="black"/>
-              </a:solidFill>
-            </a:endParaRPr>
           </a:p>
         </p:txBody>
       </p:sp>
@@ -4421,11 +4427,7 @@
             </a:r>
             <a:r>
               <a:rPr lang="ko-KR" altLang="en-US" b="1" dirty="0" smtClean="0"/>
-              <a:t>화면 </a:t>
-            </a:r>
-            <a:r>
-              <a:rPr lang="ko-KR" altLang="en-US" b="1" dirty="0" smtClean="0"/>
-              <a:t>흐름</a:t>
+              <a:t>화면 흐름</a:t>
             </a:r>
             <a:r>
               <a:rPr lang="en-US" altLang="ko-KR" b="1" dirty="0"/>
@@ -4435,7 +4437,6 @@
               <a:rPr lang="ko-KR" altLang="en-US" b="1" dirty="0"/>
               <a:t>첫 번째 기능</a:t>
             </a:r>
-            <a:endParaRPr lang="ko-KR" altLang="en-US" b="1" dirty="0"/>
           </a:p>
         </p:txBody>
       </p:sp>
@@ -4710,11 +4711,7 @@
             </a:r>
             <a:r>
               <a:rPr lang="ko-KR" altLang="en-US" b="1" dirty="0" smtClean="0"/>
-              <a:t>화면 </a:t>
-            </a:r>
-            <a:r>
-              <a:rPr lang="ko-KR" altLang="en-US" b="1" dirty="0" smtClean="0"/>
-              <a:t>흐름</a:t>
+              <a:t>화면 흐름</a:t>
             </a:r>
             <a:r>
               <a:rPr lang="en-US" altLang="ko-KR" b="1" dirty="0"/>
@@ -4724,7 +4721,6 @@
               <a:rPr lang="ko-KR" altLang="en-US" b="1" dirty="0"/>
               <a:t>첫 번째 기능</a:t>
             </a:r>
-            <a:endParaRPr lang="ko-KR" altLang="en-US" b="1" dirty="0"/>
           </a:p>
         </p:txBody>
       </p:sp>
@@ -4942,15 +4938,7 @@
                   <a:prstClr val="black"/>
                 </a:solidFill>
               </a:rPr>
-              <a:t>기능 </a:t>
-            </a:r>
-            <a:r>
-              <a:rPr lang="ko-KR" altLang="en-US" sz="2000" b="1" dirty="0" smtClean="0">
-                <a:solidFill>
-                  <a:prstClr val="black"/>
-                </a:solidFill>
-              </a:rPr>
-              <a:t>설명</a:t>
+              <a:t>기능 설명</a:t>
             </a:r>
             <a:r>
               <a:rPr lang="en-US" altLang="ko-KR" sz="2000" b="1" dirty="0" smtClean="0">
@@ -5203,11 +5191,7 @@
             </a:r>
             <a:r>
               <a:rPr lang="ko-KR" altLang="en-US" b="1" dirty="0" smtClean="0"/>
-              <a:t>화면 </a:t>
-            </a:r>
-            <a:r>
-              <a:rPr lang="ko-KR" altLang="en-US" b="1" dirty="0" smtClean="0"/>
-              <a:t>흐름</a:t>
+              <a:t>화면 흐름</a:t>
             </a:r>
             <a:r>
               <a:rPr lang="en-US" altLang="ko-KR" b="1" dirty="0"/>
@@ -5225,7 +5209,6 @@
               <a:rPr lang="ko-KR" altLang="en-US" b="1" dirty="0"/>
               <a:t>번째 기능</a:t>
             </a:r>
-            <a:endParaRPr lang="ko-KR" altLang="en-US" b="1" dirty="0"/>
           </a:p>
         </p:txBody>
       </p:sp>

--- a/bookShop01/src/main/webapp/WEB-INF/doc/쇼핑몰 구현 기능 설명_최유선.pptx
+++ b/bookShop01/src/main/webapp/WEB-INF/doc/쇼핑몰 구현 기능 설명_최유선.pptx
@@ -3266,7 +3266,7 @@
                 <a:ea typeface="맑은 고딕" panose="020B0503020000020004" pitchFamily="50" charset="-127"/>
                 <a:cs typeface="함초롬바탕" panose="02030504000101010101" pitchFamily="18" charset="-127"/>
               </a:rPr>
-              <a:t>노출된다 </a:t>
+              <a:t>노출된다  </a:t>
             </a:r>
             <a:endParaRPr lang="ko-KR" altLang="en-US" sz="1600" dirty="0">
               <a:latin typeface="맑은 고딕" panose="020B0503020000020004" pitchFamily="50" charset="-127"/>
